--- a/documents/room_reservation_v0.3.1.pptx
+++ b/documents/room_reservation_v0.3.1.pptx
@@ -263,7 +263,7 @@
             <a:fld id="{89D69074-33E8-4CD4-950D-8302714BD0BF}" type="datetimeFigureOut">
               <a:rPr lang="zh-TW" altLang="en-US" smtClean="0"/>
               <a:pPr/>
-              <a:t>2022/1/22</a:t>
+              <a:t>2022/1/29</a:t>
             </a:fld>
             <a:endParaRPr lang="zh-TW" altLang="en-US"/>
           </a:p>
@@ -435,7 +435,7 @@
             <a:fld id="{89D69074-33E8-4CD4-950D-8302714BD0BF}" type="datetimeFigureOut">
               <a:rPr lang="zh-TW" altLang="en-US" smtClean="0"/>
               <a:pPr/>
-              <a:t>2022/1/22</a:t>
+              <a:t>2022/1/29</a:t>
             </a:fld>
             <a:endParaRPr lang="zh-TW" altLang="en-US"/>
           </a:p>
@@ -617,7 +617,7 @@
             <a:fld id="{89D69074-33E8-4CD4-950D-8302714BD0BF}" type="datetimeFigureOut">
               <a:rPr lang="zh-TW" altLang="en-US" smtClean="0"/>
               <a:pPr/>
-              <a:t>2022/1/22</a:t>
+              <a:t>2022/1/29</a:t>
             </a:fld>
             <a:endParaRPr lang="zh-TW" altLang="en-US"/>
           </a:p>
@@ -789,7 +789,7 @@
             <a:fld id="{89D69074-33E8-4CD4-950D-8302714BD0BF}" type="datetimeFigureOut">
               <a:rPr lang="zh-TW" altLang="en-US" smtClean="0"/>
               <a:pPr/>
-              <a:t>2022/1/22</a:t>
+              <a:t>2022/1/29</a:t>
             </a:fld>
             <a:endParaRPr lang="zh-TW" altLang="en-US"/>
           </a:p>
@@ -1037,7 +1037,7 @@
             <a:fld id="{89D69074-33E8-4CD4-950D-8302714BD0BF}" type="datetimeFigureOut">
               <a:rPr lang="zh-TW" altLang="en-US" smtClean="0"/>
               <a:pPr/>
-              <a:t>2022/1/22</a:t>
+              <a:t>2022/1/29</a:t>
             </a:fld>
             <a:endParaRPr lang="zh-TW" altLang="en-US"/>
           </a:p>
@@ -1271,7 +1271,7 @@
             <a:fld id="{89D69074-33E8-4CD4-950D-8302714BD0BF}" type="datetimeFigureOut">
               <a:rPr lang="zh-TW" altLang="en-US" smtClean="0"/>
               <a:pPr/>
-              <a:t>2022/1/22</a:t>
+              <a:t>2022/1/29</a:t>
             </a:fld>
             <a:endParaRPr lang="zh-TW" altLang="en-US"/>
           </a:p>
@@ -1640,7 +1640,7 @@
             <a:fld id="{89D69074-33E8-4CD4-950D-8302714BD0BF}" type="datetimeFigureOut">
               <a:rPr lang="zh-TW" altLang="en-US" smtClean="0"/>
               <a:pPr/>
-              <a:t>2022/1/22</a:t>
+              <a:t>2022/1/29</a:t>
             </a:fld>
             <a:endParaRPr lang="zh-TW" altLang="en-US"/>
           </a:p>
@@ -1760,7 +1760,7 @@
             <a:fld id="{89D69074-33E8-4CD4-950D-8302714BD0BF}" type="datetimeFigureOut">
               <a:rPr lang="zh-TW" altLang="en-US" smtClean="0"/>
               <a:pPr/>
-              <a:t>2022/1/22</a:t>
+              <a:t>2022/1/29</a:t>
             </a:fld>
             <a:endParaRPr lang="zh-TW" altLang="en-US"/>
           </a:p>
@@ -1857,7 +1857,7 @@
             <a:fld id="{89D69074-33E8-4CD4-950D-8302714BD0BF}" type="datetimeFigureOut">
               <a:rPr lang="zh-TW" altLang="en-US" smtClean="0"/>
               <a:pPr/>
-              <a:t>2022/1/22</a:t>
+              <a:t>2022/1/29</a:t>
             </a:fld>
             <a:endParaRPr lang="zh-TW" altLang="en-US"/>
           </a:p>
@@ -2136,7 +2136,7 @@
             <a:fld id="{89D69074-33E8-4CD4-950D-8302714BD0BF}" type="datetimeFigureOut">
               <a:rPr lang="zh-TW" altLang="en-US" smtClean="0"/>
               <a:pPr/>
-              <a:t>2022/1/22</a:t>
+              <a:t>2022/1/29</a:t>
             </a:fld>
             <a:endParaRPr lang="zh-TW" altLang="en-US"/>
           </a:p>
@@ -2391,7 +2391,7 @@
             <a:fld id="{89D69074-33E8-4CD4-950D-8302714BD0BF}" type="datetimeFigureOut">
               <a:rPr lang="zh-TW" altLang="en-US" smtClean="0"/>
               <a:pPr/>
-              <a:t>2022/1/22</a:t>
+              <a:t>2022/1/29</a:t>
             </a:fld>
             <a:endParaRPr lang="zh-TW" altLang="en-US"/>
           </a:p>
@@ -2606,7 +2606,7 @@
             <a:fld id="{89D69074-33E8-4CD4-950D-8302714BD0BF}" type="datetimeFigureOut">
               <a:rPr lang="zh-TW" altLang="en-US" smtClean="0"/>
               <a:pPr/>
-              <a:t>2022/1/22</a:t>
+              <a:t>2022/1/29</a:t>
             </a:fld>
             <a:endParaRPr lang="zh-TW" altLang="en-US"/>
           </a:p>
@@ -3263,11 +3263,7 @@
             </a:r>
             <a:r>
               <a:rPr lang="en-US" altLang="zh-TW" sz="2000" smtClean="0"/>
-              <a:t>January </a:t>
-            </a:r>
-            <a:r>
-              <a:rPr lang="en-US" altLang="zh-TW" sz="2000" smtClean="0"/>
-              <a:t>22, </a:t>
+              <a:t>January 22, </a:t>
             </a:r>
             <a:r>
               <a:rPr lang="en-US" altLang="zh-TW" sz="2000" dirty="0" smtClean="0"/>
@@ -5237,7 +5233,7 @@
         </p:nvSpPr>
         <p:spPr>
           <a:xfrm>
-            <a:off x="3727215" y="6364907"/>
+            <a:off x="3653323" y="6512687"/>
             <a:ext cx="1405321" cy="369332"/>
           </a:xfrm>
           <a:prstGeom prst="rect">
@@ -6159,7 +6155,7 @@
         </p:nvSpPr>
         <p:spPr>
           <a:xfrm>
-            <a:off x="2995616" y="4548187"/>
+            <a:off x="1137686" y="5904463"/>
             <a:ext cx="1175643" cy="461665"/>
           </a:xfrm>
           <a:prstGeom prst="rect">
@@ -6261,6 +6257,47 @@
           </a:p>
         </p:txBody>
       </p:sp>
+      <p:cxnSp>
+        <p:nvCxnSpPr>
+          <p:cNvPr id="10" name="肘形接點 9"/>
+          <p:cNvCxnSpPr>
+            <a:endCxn id="79" idx="2"/>
+          </p:cNvCxnSpPr>
+          <p:nvPr/>
+        </p:nvCxnSpPr>
+        <p:spPr>
+          <a:xfrm>
+            <a:off x="3346818" y="5703724"/>
+            <a:ext cx="987820" cy="620694"/>
+          </a:xfrm>
+          <a:prstGeom prst="bentConnector4">
+            <a:avLst>
+              <a:gd name="adj1" fmla="val -93213"/>
+              <a:gd name="adj2" fmla="val 136830"/>
+            </a:avLst>
+          </a:prstGeom>
+          <a:ln w="38100">
+            <a:solidFill>
+              <a:schemeClr val="tx1"/>
+            </a:solidFill>
+            <a:tailEnd type="triangle"/>
+          </a:ln>
+        </p:spPr>
+        <p:style>
+          <a:lnRef idx="1">
+            <a:schemeClr val="accent1"/>
+          </a:lnRef>
+          <a:fillRef idx="0">
+            <a:schemeClr val="accent1"/>
+          </a:fillRef>
+          <a:effectRef idx="0">
+            <a:schemeClr val="accent1"/>
+          </a:effectRef>
+          <a:fontRef idx="minor">
+            <a:schemeClr val="tx1"/>
+          </a:fontRef>
+        </p:style>
+      </p:cxnSp>
     </p:spTree>
     <p:extLst>
       <p:ext uri="{BB962C8B-B14F-4D97-AF65-F5344CB8AC3E}">
@@ -11781,14 +11818,14 @@
           <p:nvPr>
             <p:extLst>
               <p:ext uri="{D42A27DB-BD31-4B8C-83A1-F6EECF244321}">
-                <p14:modId xmlns:p14="http://schemas.microsoft.com/office/powerpoint/2010/main" val="1200965047"/>
+                <p14:modId xmlns:p14="http://schemas.microsoft.com/office/powerpoint/2010/main" val="3743507223"/>
               </p:ext>
             </p:extLst>
           </p:nvPr>
         </p:nvGraphicFramePr>
         <p:xfrm>
-          <a:off x="1543050" y="2723079"/>
-          <a:ext cx="8801100" cy="3606800"/>
+          <a:off x="838200" y="2723079"/>
+          <a:ext cx="9505950" cy="3337560"/>
         </p:xfrm>
         <a:graphic>
           <a:graphicData uri="http://schemas.openxmlformats.org/drawingml/2006/table">
@@ -11797,28 +11834,28 @@
                 <a:tableStyleId>{7E9639D4-E3E2-4D34-9284-5A2195B3D0D7}</a:tableStyleId>
               </a:tblPr>
               <a:tblGrid>
-                <a:gridCol w="2403113">
+                <a:gridCol w="2847563">
                   <a:extLst>
                     <a:ext uri="{9D8B030D-6E8A-4147-A177-3AD203B41FA5}">
                       <a16:colId xmlns:a16="http://schemas.microsoft.com/office/drawing/2014/main" val="3386233962"/>
                     </a:ext>
                   </a:extLst>
                 </a:gridCol>
-                <a:gridCol w="1997437">
+                <a:gridCol w="2078733">
                   <a:extLst>
                     <a:ext uri="{9D8B030D-6E8A-4147-A177-3AD203B41FA5}">
                       <a16:colId xmlns:a16="http://schemas.microsoft.com/office/drawing/2014/main" val="2716954967"/>
                     </a:ext>
                   </a:extLst>
                 </a:gridCol>
-                <a:gridCol w="2200275">
+                <a:gridCol w="2289827">
                   <a:extLst>
                     <a:ext uri="{9D8B030D-6E8A-4147-A177-3AD203B41FA5}">
                       <a16:colId xmlns:a16="http://schemas.microsoft.com/office/drawing/2014/main" val="779126432"/>
                     </a:ext>
                   </a:extLst>
                 </a:gridCol>
-                <a:gridCol w="2200275">
+                <a:gridCol w="2289827">
                   <a:extLst>
                     <a:ext uri="{9D8B030D-6E8A-4147-A177-3AD203B41FA5}">
                       <a16:colId xmlns:a16="http://schemas.microsoft.com/office/drawing/2014/main" val="3524861831"/>
@@ -11959,7 +11996,7 @@
                     <a:bodyPr/>
                     <a:lstStyle/>
                     <a:p>
-                      <a:pPr algn="ctr"/>
+                      <a:pPr algn="l"/>
                       <a:r>
                         <a:rPr lang="en-US" altLang="zh-TW" dirty="0" smtClean="0"/>
                         <a:t>id</a:t>
@@ -12151,7 +12188,7 @@
                     <a:bodyPr/>
                     <a:lstStyle/>
                     <a:p>
-                      <a:pPr algn="ctr"/>
+                      <a:pPr algn="l"/>
                       <a:r>
                         <a:rPr lang="en-US" altLang="zh-TW" dirty="0" err="1" smtClean="0"/>
                         <a:t>room_name</a:t>
@@ -12316,7 +12353,7 @@
                     <a:bodyPr/>
                     <a:lstStyle/>
                     <a:p>
-                      <a:pPr algn="ctr"/>
+                      <a:pPr algn="l"/>
                       <a:r>
                         <a:rPr lang="en-US" altLang="zh-TW" dirty="0" err="1" smtClean="0"/>
                         <a:t>room_department_code</a:t>
@@ -12473,7 +12510,7 @@
                     <a:bodyPr/>
                     <a:lstStyle/>
                     <a:p>
-                      <a:pPr algn="ctr"/>
+                      <a:pPr algn="l"/>
                       <a:r>
                         <a:rPr lang="en-US" altLang="zh-TW" dirty="0" err="1" smtClean="0"/>
                         <a:t>room_department</a:t>
@@ -12638,7 +12675,7 @@
                     <a:bodyPr/>
                     <a:lstStyle/>
                     <a:p>
-                      <a:pPr marL="0" marR="0" indent="0" algn="ctr" defTabSz="914400" rtl="0" eaLnBrk="1" fontAlgn="auto" latinLnBrk="0" hangingPunct="1">
+                      <a:pPr marL="0" marR="0" indent="0" algn="l" defTabSz="914400" rtl="0" eaLnBrk="1" fontAlgn="auto" latinLnBrk="0" hangingPunct="1">
                         <a:lnSpc>
                           <a:spcPct val="100000"/>
                         </a:lnSpc>
@@ -12811,7 +12848,7 @@
                     <a:bodyPr/>
                     <a:lstStyle/>
                     <a:p>
-                      <a:pPr algn="ctr"/>
+                      <a:pPr algn="l"/>
                       <a:r>
                         <a:rPr lang="en-US" altLang="zh-TW" dirty="0" smtClean="0"/>
                         <a:t>manager</a:t>
@@ -12992,7 +13029,7 @@
                     <a:bodyPr/>
                     <a:lstStyle/>
                     <a:p>
-                      <a:pPr algn="ctr"/>
+                      <a:pPr algn="l"/>
                       <a:r>
                         <a:rPr lang="en-US" altLang="zh-TW" dirty="0" err="1" smtClean="0"/>
                         <a:t>create_time</a:t>
@@ -13148,7 +13185,7 @@
                     <a:bodyPr/>
                     <a:lstStyle/>
                     <a:p>
-                      <a:pPr algn="ctr"/>
+                      <a:pPr algn="l"/>
                       <a:r>
                         <a:rPr lang="en-US" altLang="zh-TW" dirty="0" err="1" smtClean="0"/>
                         <a:t>last_update_time</a:t>
@@ -13415,7 +13452,7 @@
           <p:nvPr>
             <p:extLst>
               <p:ext uri="{D42A27DB-BD31-4B8C-83A1-F6EECF244321}">
-                <p14:modId xmlns:p14="http://schemas.microsoft.com/office/powerpoint/2010/main" val="3708399212"/>
+                <p14:modId xmlns:p14="http://schemas.microsoft.com/office/powerpoint/2010/main" val="713264670"/>
               </p:ext>
             </p:extLst>
           </p:nvPr>
@@ -13593,7 +13630,7 @@
                     <a:bodyPr/>
                     <a:lstStyle/>
                     <a:p>
-                      <a:pPr algn="ctr"/>
+                      <a:pPr algn="l"/>
                       <a:r>
                         <a:rPr lang="en-US" altLang="zh-TW" dirty="0" err="1" smtClean="0"/>
                         <a:t>department_code</a:t>
@@ -13801,7 +13838,7 @@
                     <a:bodyPr/>
                     <a:lstStyle/>
                     <a:p>
-                      <a:pPr algn="ctr"/>
+                      <a:pPr algn="l"/>
                       <a:r>
                         <a:rPr lang="en-US" altLang="zh-TW" dirty="0" err="1" smtClean="0"/>
                         <a:t>department_name</a:t>
@@ -13966,7 +14003,7 @@
                     <a:bodyPr/>
                     <a:lstStyle/>
                     <a:p>
-                      <a:pPr algn="ctr"/>
+                      <a:pPr algn="l"/>
                       <a:r>
                         <a:rPr lang="en-US" altLang="zh-TW" dirty="0" err="1" smtClean="0"/>
                         <a:t>create_time</a:t>
@@ -14122,7 +14159,7 @@
                     <a:bodyPr/>
                     <a:lstStyle/>
                     <a:p>
-                      <a:pPr algn="ctr"/>
+                      <a:pPr algn="l"/>
                       <a:r>
                         <a:rPr lang="en-US" altLang="zh-TW" dirty="0" err="1" smtClean="0"/>
                         <a:t>last_update_time</a:t>
